--- a/Presentation.pptx
+++ b/Presentation.pptx
@@ -5,10 +5,18 @@
     <p:sldMasterId id="2147483648" r:id="rId1"/>
   </p:sldMasterIdLst>
   <p:sldIdLst>
-    <p:sldId id="257" r:id="rId3"/>
-    <p:sldId id="256" r:id="rId4"/>
-    <p:sldId id="258" r:id="rId5"/>
-    <p:sldId id="259" r:id="rId6"/>
+    <p:sldId id="257" r:id="rId2"/>
+    <p:sldId id="265" r:id="rId3"/>
+    <p:sldId id="260" r:id="rId4"/>
+    <p:sldId id="266" r:id="rId5"/>
+    <p:sldId id="267" r:id="rId6"/>
+    <p:sldId id="261" r:id="rId7"/>
+    <p:sldId id="262" r:id="rId8"/>
+    <p:sldId id="263" r:id="rId9"/>
+    <p:sldId id="264" r:id="rId10"/>
+    <p:sldId id="256" r:id="rId11"/>
+    <p:sldId id="258" r:id="rId12"/>
+    <p:sldId id="259" r:id="rId13"/>
   </p:sldIdLst>
   <p:sldSz cx="12192000" cy="6858000"/>
   <p:notesSz cx="6858000" cy="9144000"/>
@@ -107,11 +115,16 @@
       </a:defRPr>
     </a:lvl9pPr>
   </p:defaultTextStyle>
+  <p:extLst>
+    <p:ext uri="{EFAFB233-063F-42B5-8137-9DF3F51BA10A}">
+      <p15:sldGuideLst xmlns:p15="http://schemas.microsoft.com/office/powerpoint/2012/main"/>
+    </p:ext>
+  </p:extLst>
 </p:presentation>
 </file>
 
 <file path=ppt/slideLayouts/slideLayout1.xml><?xml version="1.0" encoding="utf-8"?>
-<p:sldLayout xmlns:a="http://schemas.openxmlformats.org/drawingml/2006/main" xmlns:r="http://schemas.openxmlformats.org/officeDocument/2006/relationships" xmlns:p="http://schemas.openxmlformats.org/presentationml/2006/main" type="title" preserve="1" showMasterSp="0">
+<p:sldLayout xmlns:a="http://schemas.openxmlformats.org/drawingml/2006/main" xmlns:r="http://schemas.openxmlformats.org/officeDocument/2006/relationships" xmlns:p="http://schemas.openxmlformats.org/presentationml/2006/main" showMasterSp="0" type="title" preserve="1">
   <p:cSld name="Title Slide">
     <p:bg>
       <p:bgPr>
@@ -189,10 +202,9 @@
           <a:p>
             <a:pPr lvl="0"/>
             <a:r>
-              <a:rPr lang="en-US" altLang="zh-CN" noProof="0" smtClean="0"/>
+              <a:rPr lang="en-US" altLang="zh-CN" noProof="0"/>
               <a:t>Click to edit Master title style</a:t>
             </a:r>
-            <a:endParaRPr lang="en-US" altLang="zh-CN" noProof="0" smtClean="0"/>
           </a:p>
         </p:txBody>
       </p:sp>
@@ -224,10 +236,9 @@
           <a:p>
             <a:pPr lvl="0"/>
             <a:r>
-              <a:rPr lang="en-US" altLang="zh-CN" noProof="0" smtClean="0"/>
+              <a:rPr lang="en-US" altLang="zh-CN" noProof="0"/>
               <a:t>Click to edit Master subtitle style</a:t>
             </a:r>
-            <a:endParaRPr lang="en-US" altLang="zh-CN" noProof="0" smtClean="0"/>
           </a:p>
         </p:txBody>
       </p:sp>
@@ -289,6 +300,7 @@
           <a:p>
             <a:fld id="{63A1C593-65D0-4073-BCC9-577B9352EA97}" type="datetimeFigureOut">
               <a:rPr lang="en-US" smtClean="0"/>
+              <a:t>11/6/2024</a:t>
             </a:fld>
             <a:endParaRPr lang="en-US"/>
           </a:p>
@@ -412,6 +424,7 @@
           <a:p>
             <a:fld id="{9B618960-8005-486C-9A75-10CB2AAC16F9}" type="slidenum">
               <a:rPr lang="en-US" smtClean="0"/>
+              <a:t>‹#›</a:t>
             </a:fld>
             <a:endParaRPr lang="en-US"/>
           </a:p>
@@ -459,10 +472,9 @@
           <a:lstStyle/>
           <a:p>
             <a:r>
-              <a:rPr lang="en-US" smtClean="0"/>
+              <a:rPr lang="en-US"/>
               <a:t>Click to edit Master title style</a:t>
             </a:r>
-            <a:endParaRPr lang="en-US"/>
           </a:p>
         </p:txBody>
       </p:sp>
@@ -483,42 +495,37 @@
           <a:p>
             <a:pPr lvl="0"/>
             <a:r>
-              <a:rPr lang="en-US" smtClean="0"/>
+              <a:rPr lang="en-US"/>
               <a:t>Click to edit Master text styles</a:t>
             </a:r>
-            <a:endParaRPr lang="en-US" smtClean="0"/>
           </a:p>
           <a:p>
             <a:pPr lvl="1"/>
             <a:r>
-              <a:rPr lang="en-US" smtClean="0"/>
+              <a:rPr lang="en-US"/>
               <a:t>Second level</a:t>
             </a:r>
-            <a:endParaRPr lang="en-US" smtClean="0"/>
           </a:p>
           <a:p>
             <a:pPr lvl="2"/>
             <a:r>
-              <a:rPr lang="en-US" smtClean="0"/>
+              <a:rPr lang="en-US"/>
               <a:t>Third level</a:t>
             </a:r>
-            <a:endParaRPr lang="en-US" smtClean="0"/>
           </a:p>
           <a:p>
             <a:pPr lvl="3"/>
             <a:r>
-              <a:rPr lang="en-US" smtClean="0"/>
+              <a:rPr lang="en-US"/>
               <a:t>Fourth level</a:t>
             </a:r>
-            <a:endParaRPr lang="en-US" smtClean="0"/>
           </a:p>
           <a:p>
             <a:pPr lvl="4"/>
             <a:r>
-              <a:rPr lang="en-US" smtClean="0"/>
+              <a:rPr lang="en-US"/>
               <a:t>Fifth level</a:t>
             </a:r>
-            <a:endParaRPr lang="en-US"/>
           </a:p>
         </p:txBody>
       </p:sp>
@@ -535,9 +542,11 @@
         <p:spPr/>
         <p:txBody>
           <a:bodyPr/>
+          <a:lstStyle/>
           <a:p>
             <a:fld id="{63A1C593-65D0-4073-BCC9-577B9352EA97}" type="datetimeFigureOut">
               <a:rPr lang="en-US" smtClean="0"/>
+              <a:t>11/6/2024</a:t>
             </a:fld>
             <a:endParaRPr lang="en-US"/>
           </a:p>
@@ -556,6 +565,7 @@
         <p:spPr/>
         <p:txBody>
           <a:bodyPr/>
+          <a:lstStyle/>
           <a:p>
             <a:endParaRPr lang="en-US"/>
           </a:p>
@@ -574,9 +584,11 @@
         <p:spPr/>
         <p:txBody>
           <a:bodyPr/>
+          <a:lstStyle/>
           <a:p>
             <a:fld id="{9B618960-8005-486C-9A75-10CB2AAC16F9}" type="slidenum">
               <a:rPr lang="en-US" smtClean="0"/>
+              <a:t>‹#›</a:t>
             </a:fld>
             <a:endParaRPr lang="en-US"/>
           </a:p>
@@ -629,10 +641,9 @@
           <a:lstStyle/>
           <a:p>
             <a:r>
-              <a:rPr lang="en-US" smtClean="0"/>
+              <a:rPr lang="en-US"/>
               <a:t>Click to edit Master title style</a:t>
             </a:r>
-            <a:endParaRPr lang="en-US"/>
           </a:p>
         </p:txBody>
       </p:sp>
@@ -658,42 +669,37 @@
           <a:p>
             <a:pPr lvl="0"/>
             <a:r>
-              <a:rPr lang="en-US" smtClean="0"/>
+              <a:rPr lang="en-US"/>
               <a:t>Click to edit Master text styles</a:t>
             </a:r>
-            <a:endParaRPr lang="en-US" smtClean="0"/>
           </a:p>
           <a:p>
             <a:pPr lvl="1"/>
             <a:r>
-              <a:rPr lang="en-US" smtClean="0"/>
+              <a:rPr lang="en-US"/>
               <a:t>Second level</a:t>
             </a:r>
-            <a:endParaRPr lang="en-US" smtClean="0"/>
           </a:p>
           <a:p>
             <a:pPr lvl="2"/>
             <a:r>
-              <a:rPr lang="en-US" smtClean="0"/>
+              <a:rPr lang="en-US"/>
               <a:t>Third level</a:t>
             </a:r>
-            <a:endParaRPr lang="en-US" smtClean="0"/>
           </a:p>
           <a:p>
             <a:pPr lvl="3"/>
             <a:r>
-              <a:rPr lang="en-US" smtClean="0"/>
+              <a:rPr lang="en-US"/>
               <a:t>Fourth level</a:t>
             </a:r>
-            <a:endParaRPr lang="en-US" smtClean="0"/>
           </a:p>
           <a:p>
             <a:pPr lvl="4"/>
             <a:r>
-              <a:rPr lang="en-US" smtClean="0"/>
+              <a:rPr lang="en-US"/>
               <a:t>Fifth level</a:t>
             </a:r>
-            <a:endParaRPr lang="en-US"/>
           </a:p>
         </p:txBody>
       </p:sp>
@@ -710,9 +716,11 @@
         <p:spPr/>
         <p:txBody>
           <a:bodyPr/>
+          <a:lstStyle/>
           <a:p>
             <a:fld id="{63A1C593-65D0-4073-BCC9-577B9352EA97}" type="datetimeFigureOut">
               <a:rPr lang="en-US" smtClean="0"/>
+              <a:t>11/6/2024</a:t>
             </a:fld>
             <a:endParaRPr lang="en-US"/>
           </a:p>
@@ -731,6 +739,7 @@
         <p:spPr/>
         <p:txBody>
           <a:bodyPr/>
+          <a:lstStyle/>
           <a:p>
             <a:endParaRPr lang="en-US"/>
           </a:p>
@@ -749,9 +758,11 @@
         <p:spPr/>
         <p:txBody>
           <a:bodyPr/>
+          <a:lstStyle/>
           <a:p>
             <a:fld id="{9B618960-8005-486C-9A75-10CB2AAC16F9}" type="slidenum">
               <a:rPr lang="en-US" smtClean="0"/>
+              <a:t>‹#›</a:t>
             </a:fld>
             <a:endParaRPr lang="en-US"/>
           </a:p>
@@ -799,10 +810,9 @@
           <a:lstStyle/>
           <a:p>
             <a:r>
-              <a:rPr lang="en-US" smtClean="0"/>
+              <a:rPr lang="en-US"/>
               <a:t>Click to edit Master title style</a:t>
             </a:r>
-            <a:endParaRPr lang="en-US"/>
           </a:p>
         </p:txBody>
       </p:sp>
@@ -823,42 +833,37 @@
           <a:p>
             <a:pPr lvl="0"/>
             <a:r>
-              <a:rPr lang="en-US" smtClean="0"/>
+              <a:rPr lang="en-US"/>
               <a:t>Click to edit Master text styles</a:t>
             </a:r>
-            <a:endParaRPr lang="en-US" smtClean="0"/>
           </a:p>
           <a:p>
             <a:pPr lvl="1"/>
             <a:r>
-              <a:rPr lang="en-US" smtClean="0"/>
+              <a:rPr lang="en-US"/>
               <a:t>Second level</a:t>
             </a:r>
-            <a:endParaRPr lang="en-US" smtClean="0"/>
           </a:p>
           <a:p>
             <a:pPr lvl="2"/>
             <a:r>
-              <a:rPr lang="en-US" smtClean="0"/>
+              <a:rPr lang="en-US"/>
               <a:t>Third level</a:t>
             </a:r>
-            <a:endParaRPr lang="en-US" smtClean="0"/>
           </a:p>
           <a:p>
             <a:pPr lvl="3"/>
             <a:r>
-              <a:rPr lang="en-US" smtClean="0"/>
+              <a:rPr lang="en-US"/>
               <a:t>Fourth level</a:t>
             </a:r>
-            <a:endParaRPr lang="en-US" smtClean="0"/>
           </a:p>
           <a:p>
             <a:pPr lvl="4"/>
             <a:r>
-              <a:rPr lang="en-US" smtClean="0"/>
+              <a:rPr lang="en-US"/>
               <a:t>Fifth level</a:t>
             </a:r>
-            <a:endParaRPr lang="en-US"/>
           </a:p>
         </p:txBody>
       </p:sp>
@@ -875,9 +880,11 @@
         <p:spPr/>
         <p:txBody>
           <a:bodyPr/>
+          <a:lstStyle/>
           <a:p>
             <a:fld id="{63A1C593-65D0-4073-BCC9-577B9352EA97}" type="datetimeFigureOut">
               <a:rPr lang="en-US" smtClean="0"/>
+              <a:t>11/6/2024</a:t>
             </a:fld>
             <a:endParaRPr lang="en-US"/>
           </a:p>
@@ -896,6 +903,7 @@
         <p:spPr/>
         <p:txBody>
           <a:bodyPr/>
+          <a:lstStyle/>
           <a:p>
             <a:endParaRPr lang="en-US"/>
           </a:p>
@@ -914,9 +922,11 @@
         <p:spPr/>
         <p:txBody>
           <a:bodyPr/>
+          <a:lstStyle/>
           <a:p>
             <a:fld id="{9B618960-8005-486C-9A75-10CB2AAC16F9}" type="slidenum">
               <a:rPr lang="en-US" smtClean="0"/>
+              <a:t>‹#›</a:t>
             </a:fld>
             <a:endParaRPr lang="en-US"/>
           </a:p>
@@ -973,10 +983,9 @@
           </a:lstStyle>
           <a:p>
             <a:r>
-              <a:rPr lang="en-US" smtClean="0"/>
+              <a:rPr lang="en-US"/>
               <a:t>Click to edit Master title style</a:t>
             </a:r>
-            <a:endParaRPr lang="en-US"/>
           </a:p>
         </p:txBody>
       </p:sp>
@@ -1039,10 +1048,9 @@
           <a:p>
             <a:pPr lvl="0"/>
             <a:r>
-              <a:rPr lang="en-US" smtClean="0"/>
+              <a:rPr lang="en-US"/>
               <a:t>Click to edit Master text styles</a:t>
             </a:r>
-            <a:endParaRPr lang="en-US" smtClean="0"/>
           </a:p>
         </p:txBody>
       </p:sp>
@@ -1059,9 +1067,11 @@
         <p:spPr/>
         <p:txBody>
           <a:bodyPr/>
+          <a:lstStyle/>
           <a:p>
             <a:fld id="{63A1C593-65D0-4073-BCC9-577B9352EA97}" type="datetimeFigureOut">
               <a:rPr lang="en-US" smtClean="0"/>
+              <a:t>11/6/2024</a:t>
             </a:fld>
             <a:endParaRPr lang="en-US"/>
           </a:p>
@@ -1080,6 +1090,7 @@
         <p:spPr/>
         <p:txBody>
           <a:bodyPr/>
+          <a:lstStyle/>
           <a:p>
             <a:endParaRPr lang="en-US"/>
           </a:p>
@@ -1098,9 +1109,11 @@
         <p:spPr/>
         <p:txBody>
           <a:bodyPr/>
+          <a:lstStyle/>
           <a:p>
             <a:fld id="{9B618960-8005-486C-9A75-10CB2AAC16F9}" type="slidenum">
               <a:rPr lang="en-US" smtClean="0"/>
+              <a:t>‹#›</a:t>
             </a:fld>
             <a:endParaRPr lang="en-US"/>
           </a:p>
@@ -1148,10 +1161,9 @@
           <a:lstStyle/>
           <a:p>
             <a:r>
-              <a:rPr lang="en-US" smtClean="0"/>
+              <a:rPr lang="en-US"/>
               <a:t>Click to edit Master title style</a:t>
             </a:r>
-            <a:endParaRPr lang="en-US"/>
           </a:p>
         </p:txBody>
       </p:sp>
@@ -1177,42 +1189,37 @@
           <a:p>
             <a:pPr lvl="0"/>
             <a:r>
-              <a:rPr lang="en-US" smtClean="0"/>
+              <a:rPr lang="en-US"/>
               <a:t>Click to edit Master text styles</a:t>
             </a:r>
-            <a:endParaRPr lang="en-US" smtClean="0"/>
           </a:p>
           <a:p>
             <a:pPr lvl="1"/>
             <a:r>
-              <a:rPr lang="en-US" smtClean="0"/>
+              <a:rPr lang="en-US"/>
               <a:t>Second level</a:t>
             </a:r>
-            <a:endParaRPr lang="en-US" smtClean="0"/>
           </a:p>
           <a:p>
             <a:pPr lvl="2"/>
             <a:r>
-              <a:rPr lang="en-US" smtClean="0"/>
+              <a:rPr lang="en-US"/>
               <a:t>Third level</a:t>
             </a:r>
-            <a:endParaRPr lang="en-US" smtClean="0"/>
           </a:p>
           <a:p>
             <a:pPr lvl="3"/>
             <a:r>
-              <a:rPr lang="en-US" smtClean="0"/>
+              <a:rPr lang="en-US"/>
               <a:t>Fourth level</a:t>
             </a:r>
-            <a:endParaRPr lang="en-US" smtClean="0"/>
           </a:p>
           <a:p>
             <a:pPr lvl="4"/>
             <a:r>
-              <a:rPr lang="en-US" smtClean="0"/>
+              <a:rPr lang="en-US"/>
               <a:t>Fifth level</a:t>
             </a:r>
-            <a:endParaRPr lang="en-US"/>
           </a:p>
         </p:txBody>
       </p:sp>
@@ -1238,42 +1245,37 @@
           <a:p>
             <a:pPr lvl="0"/>
             <a:r>
-              <a:rPr lang="en-US" smtClean="0"/>
+              <a:rPr lang="en-US"/>
               <a:t>Click to edit Master text styles</a:t>
             </a:r>
-            <a:endParaRPr lang="en-US" smtClean="0"/>
           </a:p>
           <a:p>
             <a:pPr lvl="1"/>
             <a:r>
-              <a:rPr lang="en-US" smtClean="0"/>
+              <a:rPr lang="en-US"/>
               <a:t>Second level</a:t>
             </a:r>
-            <a:endParaRPr lang="en-US" smtClean="0"/>
           </a:p>
           <a:p>
             <a:pPr lvl="2"/>
             <a:r>
-              <a:rPr lang="en-US" smtClean="0"/>
+              <a:rPr lang="en-US"/>
               <a:t>Third level</a:t>
             </a:r>
-            <a:endParaRPr lang="en-US" smtClean="0"/>
           </a:p>
           <a:p>
             <a:pPr lvl="3"/>
             <a:r>
-              <a:rPr lang="en-US" smtClean="0"/>
+              <a:rPr lang="en-US"/>
               <a:t>Fourth level</a:t>
             </a:r>
-            <a:endParaRPr lang="en-US" smtClean="0"/>
           </a:p>
           <a:p>
             <a:pPr lvl="4"/>
             <a:r>
-              <a:rPr lang="en-US" smtClean="0"/>
+              <a:rPr lang="en-US"/>
               <a:t>Fifth level</a:t>
             </a:r>
-            <a:endParaRPr lang="en-US"/>
           </a:p>
         </p:txBody>
       </p:sp>
@@ -1290,9 +1292,11 @@
         <p:spPr/>
         <p:txBody>
           <a:bodyPr/>
+          <a:lstStyle/>
           <a:p>
             <a:fld id="{63A1C593-65D0-4073-BCC9-577B9352EA97}" type="datetimeFigureOut">
               <a:rPr lang="en-US" smtClean="0"/>
+              <a:t>11/6/2024</a:t>
             </a:fld>
             <a:endParaRPr lang="en-US"/>
           </a:p>
@@ -1311,6 +1315,7 @@
         <p:spPr/>
         <p:txBody>
           <a:bodyPr/>
+          <a:lstStyle/>
           <a:p>
             <a:endParaRPr lang="en-US"/>
           </a:p>
@@ -1329,9 +1334,11 @@
         <p:spPr/>
         <p:txBody>
           <a:bodyPr/>
+          <a:lstStyle/>
           <a:p>
             <a:fld id="{9B618960-8005-486C-9A75-10CB2AAC16F9}" type="slidenum">
               <a:rPr lang="en-US" smtClean="0"/>
+              <a:t>‹#›</a:t>
             </a:fld>
             <a:endParaRPr lang="en-US"/>
           </a:p>
@@ -1384,10 +1391,9 @@
           <a:lstStyle/>
           <a:p>
             <a:r>
-              <a:rPr lang="en-US" smtClean="0"/>
+              <a:rPr lang="en-US"/>
               <a:t>Click to edit Master title style</a:t>
             </a:r>
-            <a:endParaRPr lang="en-US"/>
           </a:p>
         </p:txBody>
       </p:sp>
@@ -1450,10 +1456,9 @@
           <a:p>
             <a:pPr lvl="0"/>
             <a:r>
-              <a:rPr lang="en-US" smtClean="0"/>
+              <a:rPr lang="en-US"/>
               <a:t>Click to edit Master text styles</a:t>
             </a:r>
-            <a:endParaRPr lang="en-US" smtClean="0"/>
           </a:p>
         </p:txBody>
       </p:sp>
@@ -1479,42 +1484,37 @@
           <a:p>
             <a:pPr lvl="0"/>
             <a:r>
-              <a:rPr lang="en-US" smtClean="0"/>
+              <a:rPr lang="en-US"/>
               <a:t>Click to edit Master text styles</a:t>
             </a:r>
-            <a:endParaRPr lang="en-US" smtClean="0"/>
           </a:p>
           <a:p>
             <a:pPr lvl="1"/>
             <a:r>
-              <a:rPr lang="en-US" smtClean="0"/>
+              <a:rPr lang="en-US"/>
               <a:t>Second level</a:t>
             </a:r>
-            <a:endParaRPr lang="en-US" smtClean="0"/>
           </a:p>
           <a:p>
             <a:pPr lvl="2"/>
             <a:r>
-              <a:rPr lang="en-US" smtClean="0"/>
+              <a:rPr lang="en-US"/>
               <a:t>Third level</a:t>
             </a:r>
-            <a:endParaRPr lang="en-US" smtClean="0"/>
           </a:p>
           <a:p>
             <a:pPr lvl="3"/>
             <a:r>
-              <a:rPr lang="en-US" smtClean="0"/>
+              <a:rPr lang="en-US"/>
               <a:t>Fourth level</a:t>
             </a:r>
-            <a:endParaRPr lang="en-US" smtClean="0"/>
           </a:p>
           <a:p>
             <a:pPr lvl="4"/>
             <a:r>
-              <a:rPr lang="en-US" smtClean="0"/>
+              <a:rPr lang="en-US"/>
               <a:t>Fifth level</a:t>
             </a:r>
-            <a:endParaRPr lang="en-US"/>
           </a:p>
         </p:txBody>
       </p:sp>
@@ -1577,10 +1577,9 @@
           <a:p>
             <a:pPr lvl="0"/>
             <a:r>
-              <a:rPr lang="en-US" smtClean="0"/>
+              <a:rPr lang="en-US"/>
               <a:t>Click to edit Master text styles</a:t>
             </a:r>
-            <a:endParaRPr lang="en-US" smtClean="0"/>
           </a:p>
         </p:txBody>
       </p:sp>
@@ -1606,42 +1605,37 @@
           <a:p>
             <a:pPr lvl="0"/>
             <a:r>
-              <a:rPr lang="en-US" smtClean="0"/>
+              <a:rPr lang="en-US"/>
               <a:t>Click to edit Master text styles</a:t>
             </a:r>
-            <a:endParaRPr lang="en-US" smtClean="0"/>
           </a:p>
           <a:p>
             <a:pPr lvl="1"/>
             <a:r>
-              <a:rPr lang="en-US" smtClean="0"/>
+              <a:rPr lang="en-US"/>
               <a:t>Second level</a:t>
             </a:r>
-            <a:endParaRPr lang="en-US" smtClean="0"/>
           </a:p>
           <a:p>
             <a:pPr lvl="2"/>
             <a:r>
-              <a:rPr lang="en-US" smtClean="0"/>
+              <a:rPr lang="en-US"/>
               <a:t>Third level</a:t>
             </a:r>
-            <a:endParaRPr lang="en-US" smtClean="0"/>
           </a:p>
           <a:p>
             <a:pPr lvl="3"/>
             <a:r>
-              <a:rPr lang="en-US" smtClean="0"/>
+              <a:rPr lang="en-US"/>
               <a:t>Fourth level</a:t>
             </a:r>
-            <a:endParaRPr lang="en-US" smtClean="0"/>
           </a:p>
           <a:p>
             <a:pPr lvl="4"/>
             <a:r>
-              <a:rPr lang="en-US" smtClean="0"/>
+              <a:rPr lang="en-US"/>
               <a:t>Fifth level</a:t>
             </a:r>
-            <a:endParaRPr lang="en-US"/>
           </a:p>
         </p:txBody>
       </p:sp>
@@ -1658,9 +1652,11 @@
         <p:spPr/>
         <p:txBody>
           <a:bodyPr/>
+          <a:lstStyle/>
           <a:p>
             <a:fld id="{63A1C593-65D0-4073-BCC9-577B9352EA97}" type="datetimeFigureOut">
               <a:rPr lang="en-US" smtClean="0"/>
+              <a:t>11/6/2024</a:t>
             </a:fld>
             <a:endParaRPr lang="en-US"/>
           </a:p>
@@ -1679,6 +1675,7 @@
         <p:spPr/>
         <p:txBody>
           <a:bodyPr/>
+          <a:lstStyle/>
           <a:p>
             <a:endParaRPr lang="en-US"/>
           </a:p>
@@ -1697,9 +1694,11 @@
         <p:spPr/>
         <p:txBody>
           <a:bodyPr/>
+          <a:lstStyle/>
           <a:p>
             <a:fld id="{9B618960-8005-486C-9A75-10CB2AAC16F9}" type="slidenum">
               <a:rPr lang="en-US" smtClean="0"/>
+              <a:t>‹#›</a:t>
             </a:fld>
             <a:endParaRPr lang="en-US"/>
           </a:p>
@@ -1747,10 +1746,9 @@
           <a:lstStyle/>
           <a:p>
             <a:r>
-              <a:rPr lang="en-US" smtClean="0"/>
+              <a:rPr lang="en-US"/>
               <a:t>Click to edit Master title style</a:t>
             </a:r>
-            <a:endParaRPr lang="en-US"/>
           </a:p>
         </p:txBody>
       </p:sp>
@@ -1767,9 +1765,11 @@
         <p:spPr/>
         <p:txBody>
           <a:bodyPr/>
+          <a:lstStyle/>
           <a:p>
             <a:fld id="{63A1C593-65D0-4073-BCC9-577B9352EA97}" type="datetimeFigureOut">
               <a:rPr lang="en-US" smtClean="0"/>
+              <a:t>11/6/2024</a:t>
             </a:fld>
             <a:endParaRPr lang="en-US"/>
           </a:p>
@@ -1788,6 +1788,7 @@
         <p:spPr/>
         <p:txBody>
           <a:bodyPr/>
+          <a:lstStyle/>
           <a:p>
             <a:endParaRPr lang="en-US"/>
           </a:p>
@@ -1806,9 +1807,11 @@
         <p:spPr/>
         <p:txBody>
           <a:bodyPr/>
+          <a:lstStyle/>
           <a:p>
             <a:fld id="{9B618960-8005-486C-9A75-10CB2AAC16F9}" type="slidenum">
               <a:rPr lang="en-US" smtClean="0"/>
+              <a:t>‹#›</a:t>
             </a:fld>
             <a:endParaRPr lang="en-US"/>
           </a:p>
@@ -1853,9 +1856,11 @@
         <p:spPr/>
         <p:txBody>
           <a:bodyPr/>
+          <a:lstStyle/>
           <a:p>
             <a:fld id="{63A1C593-65D0-4073-BCC9-577B9352EA97}" type="datetimeFigureOut">
               <a:rPr lang="en-US" smtClean="0"/>
+              <a:t>11/6/2024</a:t>
             </a:fld>
             <a:endParaRPr lang="en-US"/>
           </a:p>
@@ -1874,6 +1879,7 @@
         <p:spPr/>
         <p:txBody>
           <a:bodyPr/>
+          <a:lstStyle/>
           <a:p>
             <a:endParaRPr lang="en-US"/>
           </a:p>
@@ -1892,9 +1898,11 @@
         <p:spPr/>
         <p:txBody>
           <a:bodyPr/>
+          <a:lstStyle/>
           <a:p>
             <a:fld id="{9B618960-8005-486C-9A75-10CB2AAC16F9}" type="slidenum">
               <a:rPr lang="en-US" smtClean="0"/>
+              <a:t>‹#›</a:t>
             </a:fld>
             <a:endParaRPr lang="en-US"/>
           </a:p>
@@ -1951,10 +1959,9 @@
           </a:lstStyle>
           <a:p>
             <a:r>
-              <a:rPr lang="en-US" smtClean="0"/>
+              <a:rPr lang="en-US"/>
               <a:t>Click to edit Master title style</a:t>
             </a:r>
-            <a:endParaRPr lang="en-US"/>
           </a:p>
         </p:txBody>
       </p:sp>
@@ -2008,42 +2015,37 @@
           <a:p>
             <a:pPr lvl="0"/>
             <a:r>
-              <a:rPr lang="en-US" smtClean="0"/>
+              <a:rPr lang="en-US"/>
               <a:t>Click to edit Master text styles</a:t>
             </a:r>
-            <a:endParaRPr lang="en-US" smtClean="0"/>
           </a:p>
           <a:p>
             <a:pPr lvl="1"/>
             <a:r>
-              <a:rPr lang="en-US" smtClean="0"/>
+              <a:rPr lang="en-US"/>
               <a:t>Second level</a:t>
             </a:r>
-            <a:endParaRPr lang="en-US" smtClean="0"/>
           </a:p>
           <a:p>
             <a:pPr lvl="2"/>
             <a:r>
-              <a:rPr lang="en-US" smtClean="0"/>
+              <a:rPr lang="en-US"/>
               <a:t>Third level</a:t>
             </a:r>
-            <a:endParaRPr lang="en-US" smtClean="0"/>
           </a:p>
           <a:p>
             <a:pPr lvl="3"/>
             <a:r>
-              <a:rPr lang="en-US" smtClean="0"/>
+              <a:rPr lang="en-US"/>
               <a:t>Fourth level</a:t>
             </a:r>
-            <a:endParaRPr lang="en-US" smtClean="0"/>
           </a:p>
           <a:p>
             <a:pPr lvl="4"/>
             <a:r>
-              <a:rPr lang="en-US" smtClean="0"/>
+              <a:rPr lang="en-US"/>
               <a:t>Fifth level</a:t>
             </a:r>
-            <a:endParaRPr lang="en-US"/>
           </a:p>
         </p:txBody>
       </p:sp>
@@ -2106,10 +2108,9 @@
           <a:p>
             <a:pPr lvl="0"/>
             <a:r>
-              <a:rPr lang="en-US" smtClean="0"/>
+              <a:rPr lang="en-US"/>
               <a:t>Click to edit Master text styles</a:t>
             </a:r>
-            <a:endParaRPr lang="en-US" smtClean="0"/>
           </a:p>
         </p:txBody>
       </p:sp>
@@ -2126,9 +2127,11 @@
         <p:spPr/>
         <p:txBody>
           <a:bodyPr/>
+          <a:lstStyle/>
           <a:p>
             <a:fld id="{63A1C593-65D0-4073-BCC9-577B9352EA97}" type="datetimeFigureOut">
               <a:rPr lang="en-US" smtClean="0"/>
+              <a:t>11/6/2024</a:t>
             </a:fld>
             <a:endParaRPr lang="en-US"/>
           </a:p>
@@ -2147,6 +2150,7 @@
         <p:spPr/>
         <p:txBody>
           <a:bodyPr/>
+          <a:lstStyle/>
           <a:p>
             <a:endParaRPr lang="en-US"/>
           </a:p>
@@ -2165,9 +2169,11 @@
         <p:spPr/>
         <p:txBody>
           <a:bodyPr/>
+          <a:lstStyle/>
           <a:p>
             <a:fld id="{9B618960-8005-486C-9A75-10CB2AAC16F9}" type="slidenum">
               <a:rPr lang="en-US" smtClean="0"/>
+              <a:t>‹#›</a:t>
             </a:fld>
             <a:endParaRPr lang="en-US"/>
           </a:p>
@@ -2224,10 +2230,9 @@
           </a:lstStyle>
           <a:p>
             <a:r>
-              <a:rPr lang="en-US" smtClean="0"/>
+              <a:rPr lang="en-US"/>
               <a:t>Click to edit Master title style</a:t>
             </a:r>
-            <a:endParaRPr lang="en-US"/>
           </a:p>
         </p:txBody>
       </p:sp>
@@ -2304,7 +2309,7 @@
               <a:buNone/>
               <a:defRPr/>
             </a:pPr>
-            <a:endParaRPr kumimoji="0" lang="en-US" sz="3200" b="0" i="0" u="none" strike="noStrike" kern="1200" cap="none" spc="0" normalizeH="0" baseline="0" noProof="0" smtClean="0">
+            <a:endParaRPr kumimoji="0" lang="en-US" sz="3200" b="0" i="0" u="none" strike="noStrike" kern="1200" cap="none" spc="0" normalizeH="0" baseline="0" noProof="0">
               <a:ln>
                 <a:noFill/>
               </a:ln>
@@ -2380,10 +2385,9 @@
           <a:p>
             <a:pPr lvl="0"/>
             <a:r>
-              <a:rPr lang="en-US" smtClean="0"/>
+              <a:rPr lang="en-US"/>
               <a:t>Click to edit Master text styles</a:t>
             </a:r>
-            <a:endParaRPr lang="en-US" smtClean="0"/>
           </a:p>
         </p:txBody>
       </p:sp>
@@ -2400,9 +2404,11 @@
         <p:spPr/>
         <p:txBody>
           <a:bodyPr/>
+          <a:lstStyle/>
           <a:p>
             <a:fld id="{63A1C593-65D0-4073-BCC9-577B9352EA97}" type="datetimeFigureOut">
               <a:rPr lang="en-US" smtClean="0"/>
+              <a:t>11/6/2024</a:t>
             </a:fld>
             <a:endParaRPr lang="en-US"/>
           </a:p>
@@ -2421,6 +2427,7 @@
         <p:spPr/>
         <p:txBody>
           <a:bodyPr/>
+          <a:lstStyle/>
           <a:p>
             <a:endParaRPr lang="en-US"/>
           </a:p>
@@ -2439,9 +2446,11 @@
         <p:spPr/>
         <p:txBody>
           <a:bodyPr/>
+          <a:lstStyle/>
           <a:p>
             <a:fld id="{9B618960-8005-486C-9A75-10CB2AAC16F9}" type="slidenum">
               <a:rPr lang="en-US" smtClean="0"/>
+              <a:t>‹#›</a:t>
             </a:fld>
             <a:endParaRPr lang="en-US"/>
           </a:p>
@@ -2473,7 +2482,14 @@
         <p:cNvGrpSpPr/>
         <p:nvPr/>
       </p:nvGrpSpPr>
-      <p:grpSpPr/>
+      <p:grpSpPr>
+        <a:xfrm>
+          <a:off x="0" y="0"/>
+          <a:ext cx="0" cy="0"/>
+          <a:chOff x="0" y="0"/>
+          <a:chExt cx="0" cy="0"/>
+        </a:xfrm>
+      </p:grpSpPr>
       <p:pic>
         <p:nvPicPr>
           <p:cNvPr id="1026" name="Picture 3"/>
@@ -2483,7 +2499,7 @@
           <p:nvPr/>
         </p:nvPicPr>
         <p:blipFill>
-          <a:blip r:embed="rId12"/>
+          <a:blip r:embed="rId13"/>
           <a:stretch>
             <a:fillRect/>
           </a:stretch>
@@ -2527,13 +2543,13 @@
         </p:spPr>
         <p:txBody>
           <a:bodyPr anchor="ctr" anchorCtr="0"/>
+          <a:lstStyle/>
           <a:p>
             <a:pPr lvl="0"/>
             <a:r>
               <a:rPr lang="en-US" altLang="zh-CN" dirty="0"/>
               <a:t>Click to edit Master title style</a:t>
             </a:r>
-            <a:endParaRPr lang="en-US" altLang="zh-CN" dirty="0"/>
           </a:p>
         </p:txBody>
       </p:sp>
@@ -2562,13 +2578,13 @@
         </p:spPr>
         <p:txBody>
           <a:bodyPr/>
+          <a:lstStyle/>
           <a:p>
             <a:pPr lvl="0"/>
             <a:r>
               <a:rPr lang="en-US" altLang="zh-CN" dirty="0"/>
               <a:t>Click to edit Master text styles</a:t>
             </a:r>
-            <a:endParaRPr lang="en-US" altLang="zh-CN" dirty="0"/>
           </a:p>
           <a:p>
             <a:pPr lvl="1"/>
@@ -2576,7 +2592,6 @@
               <a:rPr lang="en-US" altLang="zh-CN" dirty="0"/>
               <a:t>Second level</a:t>
             </a:r>
-            <a:endParaRPr lang="en-US" altLang="zh-CN" dirty="0"/>
           </a:p>
           <a:p>
             <a:pPr lvl="2"/>
@@ -2584,7 +2599,6 @@
               <a:rPr lang="en-US" altLang="zh-CN" dirty="0"/>
               <a:t>Third level</a:t>
             </a:r>
-            <a:endParaRPr lang="en-US" altLang="zh-CN" dirty="0"/>
           </a:p>
           <a:p>
             <a:pPr lvl="3"/>
@@ -2592,7 +2606,6 @@
               <a:rPr lang="en-US" altLang="zh-CN" dirty="0"/>
               <a:t>Fourth level</a:t>
             </a:r>
-            <a:endParaRPr lang="en-US" altLang="zh-CN" dirty="0"/>
           </a:p>
           <a:p>
             <a:pPr lvl="4"/>
@@ -2600,7 +2613,6 @@
               <a:rPr lang="en-US" altLang="zh-CN" dirty="0"/>
               <a:t>Fifth level</a:t>
             </a:r>
-            <a:endParaRPr lang="en-US" altLang="zh-CN" dirty="0"/>
           </a:p>
         </p:txBody>
       </p:sp>
@@ -2666,6 +2678,7 @@
           <a:p>
             <a:fld id="{63A1C593-65D0-4073-BCC9-577B9352EA97}" type="datetimeFigureOut">
               <a:rPr lang="en-US" smtClean="0"/>
+              <a:t>11/6/2024</a:t>
             </a:fld>
             <a:endParaRPr lang="en-US"/>
           </a:p>
@@ -2797,6 +2810,7 @@
           <a:p>
             <a:fld id="{9B618960-8005-486C-9A75-10CB2AAC16F9}" type="slidenum">
               <a:rPr lang="en-US" smtClean="0"/>
+              <a:t>‹#›</a:t>
             </a:fld>
             <a:endParaRPr lang="en-US"/>
           </a:p>
@@ -3231,7 +3245,14 @@
         <p:cNvGrpSpPr/>
         <p:nvPr/>
       </p:nvGrpSpPr>
-      <p:grpSpPr/>
+      <p:grpSpPr>
+        <a:xfrm>
+          <a:off x="0" y="0"/>
+          <a:ext cx="0" cy="0"/>
+          <a:chOff x="0" y="0"/>
+          <a:chExt cx="0" cy="0"/>
+        </a:xfrm>
+      </p:grpSpPr>
       <p:sp>
         <p:nvSpPr>
           <p:cNvPr id="4" name="Title 3"/>
@@ -3245,12 +3266,19 @@
         <p:spPr/>
         <p:txBody>
           <a:bodyPr/>
-          <a:p>
-            <a:r>
-              <a:rPr lang="sv-SE" altLang="en-US" i="1"/>
-              <a:t>Code Examples</a:t>
-            </a:r>
-            <a:endParaRPr lang="sv-SE" altLang="en-US" i="1"/>
+          <a:lstStyle/>
+          <a:p>
+            <a:r>
+              <a:rPr lang="sv-SE" sz="8000" b="1" i="0" u="none" strike="noStrike" dirty="0">
+                <a:solidFill>
+                  <a:srgbClr val="000000"/>
+                </a:solidFill>
+                <a:effectLst/>
+                <a:latin typeface="Arial" panose="020B0604020202020204" pitchFamily="34" charset="0"/>
+              </a:rPr>
+              <a:t>Demo</a:t>
+            </a:r>
+            <a:endParaRPr lang="sv-SE" altLang="en-US" sz="8000" b="1" i="1" dirty="0"/>
           </a:p>
         </p:txBody>
       </p:sp>
@@ -3267,11 +3295,48 @@
         <p:spPr/>
         <p:txBody>
           <a:bodyPr/>
+          <a:lstStyle/>
           <a:p>
             <a:endParaRPr lang="en-US"/>
           </a:p>
         </p:txBody>
       </p:sp>
+      <p:pic>
+        <p:nvPicPr>
+          <p:cNvPr id="3" name="Picture 2" descr="A blue and white logo&#10;&#10;Description automatically generated">
+            <a:extLst>
+              <a:ext uri="{FF2B5EF4-FFF2-40B4-BE49-F238E27FC236}">
+                <a16:creationId xmlns:a16="http://schemas.microsoft.com/office/drawing/2014/main" id="{271AEED4-5D91-99EA-98EE-C67E78F8BEDE}"/>
+              </a:ext>
+            </a:extLst>
+          </p:cNvPr>
+          <p:cNvPicPr>
+            <a:picLocks noChangeAspect="1"/>
+          </p:cNvPicPr>
+          <p:nvPr/>
+        </p:nvPicPr>
+        <p:blipFill>
+          <a:blip r:embed="rId2">
+            <a:extLst>
+              <a:ext uri="{28A0092B-C50C-407E-A947-70E740481C1C}">
+                <a14:useLocalDpi xmlns:a14="http://schemas.microsoft.com/office/drawing/2010/main" val="0"/>
+              </a:ext>
+            </a:extLst>
+          </a:blip>
+          <a:stretch>
+            <a:fillRect/>
+          </a:stretch>
+        </p:blipFill>
+        <p:spPr>
+          <a:xfrm>
+            <a:off x="0" y="0"/>
+            <a:ext cx="12192000" cy="6844632"/>
+          </a:xfrm>
+          <a:prstGeom prst="rect">
+            <a:avLst/>
+          </a:prstGeom>
+        </p:spPr>
+      </p:pic>
     </p:spTree>
   </p:cSld>
   <p:clrMapOvr>
@@ -3280,7 +3345,7 @@
 </p:sld>
 </file>
 
-<file path=ppt/slides/slide2.xml><?xml version="1.0" encoding="utf-8"?>
+<file path=ppt/slides/slide10.xml><?xml version="1.0" encoding="utf-8"?>
 <p:sld xmlns:a="http://schemas.openxmlformats.org/drawingml/2006/main" xmlns:r="http://schemas.openxmlformats.org/officeDocument/2006/relationships" xmlns:p="http://schemas.openxmlformats.org/presentationml/2006/main">
   <p:cSld>
     <p:spTree>
@@ -3289,7 +3354,14 @@
         <p:cNvGrpSpPr/>
         <p:nvPr/>
       </p:nvGrpSpPr>
-      <p:grpSpPr/>
+      <p:grpSpPr>
+        <a:xfrm>
+          <a:off x="0" y="0"/>
+          <a:ext cx="0" cy="0"/>
+          <a:chOff x="0" y="0"/>
+          <a:chExt cx="0" cy="0"/>
+        </a:xfrm>
+      </p:grpSpPr>
       <p:pic>
         <p:nvPicPr>
           <p:cNvPr id="4" name="Picture 3"/>
@@ -3299,7 +3371,7 @@
           <p:nvPr/>
         </p:nvPicPr>
         <p:blipFill>
-          <a:blip r:embed="rId1"/>
+          <a:blip r:embed="rId2"/>
           <a:stretch>
             <a:fillRect/>
           </a:stretch>
@@ -3323,7 +3395,7 @@
           <p:nvPr/>
         </p:nvPicPr>
         <p:blipFill>
-          <a:blip r:embed="rId2"/>
+          <a:blip r:embed="rId3"/>
           <a:stretch>
             <a:fillRect/>
           </a:stretch>
@@ -3347,7 +3419,7 @@
           <p:nvPr/>
         </p:nvPicPr>
         <p:blipFill>
-          <a:blip r:embed="rId3"/>
+          <a:blip r:embed="rId4"/>
           <a:stretch>
             <a:fillRect/>
           </a:stretch>
@@ -3402,6 +3474,7 @@
         </p:style>
         <p:txBody>
           <a:bodyPr rtlCol="0" anchor="ctr"/>
+          <a:lstStyle/>
           <a:p>
             <a:pPr algn="ctr"/>
             <a:endParaRPr lang="en-US"/>
@@ -3416,7 +3489,7 @@
 </p:sld>
 </file>
 
-<file path=ppt/slides/slide3.xml><?xml version="1.0" encoding="utf-8"?>
+<file path=ppt/slides/slide11.xml><?xml version="1.0" encoding="utf-8"?>
 <p:sld xmlns:a="http://schemas.openxmlformats.org/drawingml/2006/main" xmlns:r="http://schemas.openxmlformats.org/officeDocument/2006/relationships" xmlns:p="http://schemas.openxmlformats.org/presentationml/2006/main">
   <p:cSld>
     <p:spTree>
@@ -3425,19 +3498,26 @@
         <p:cNvGrpSpPr/>
         <p:nvPr/>
       </p:nvGrpSpPr>
-      <p:grpSpPr/>
+      <p:grpSpPr>
+        <a:xfrm>
+          <a:off x="0" y="0"/>
+          <a:ext cx="0" cy="0"/>
+          <a:chOff x="0" y="0"/>
+          <a:chExt cx="0" cy="0"/>
+        </a:xfrm>
+      </p:grpSpPr>
       <p:pic>
         <p:nvPicPr>
           <p:cNvPr id="4" name="Content Placeholder 3"/>
           <p:cNvPicPr>
-            <a:picLocks noChangeAspect="1"/>
+            <a:picLocks noGrp="1" noChangeAspect="1"/>
           </p:cNvPicPr>
           <p:nvPr>
             <p:ph idx="1"/>
           </p:nvPr>
         </p:nvPicPr>
         <p:blipFill>
-          <a:blip r:embed="rId1"/>
+          <a:blip r:embed="rId2"/>
           <a:stretch>
             <a:fillRect/>
           </a:stretch>
@@ -3461,7 +3541,7 @@
           <p:nvPr/>
         </p:nvPicPr>
         <p:blipFill>
-          <a:blip r:embed="rId2"/>
+          <a:blip r:embed="rId3"/>
           <a:stretch>
             <a:fillRect/>
           </a:stretch>
@@ -3522,7 +3602,7 @@
 </p:sld>
 </file>
 
-<file path=ppt/slides/slide4.xml><?xml version="1.0" encoding="utf-8"?>
+<file path=ppt/slides/slide12.xml><?xml version="1.0" encoding="utf-8"?>
 <p:sld xmlns:a="http://schemas.openxmlformats.org/drawingml/2006/main" xmlns:r="http://schemas.openxmlformats.org/officeDocument/2006/relationships" xmlns:p="http://schemas.openxmlformats.org/presentationml/2006/main">
   <p:cSld>
     <p:spTree>
@@ -3531,7 +3611,14 @@
         <p:cNvGrpSpPr/>
         <p:nvPr/>
       </p:nvGrpSpPr>
-      <p:grpSpPr/>
+      <p:grpSpPr>
+        <a:xfrm>
+          <a:off x="0" y="0"/>
+          <a:ext cx="0" cy="0"/>
+          <a:chOff x="0" y="0"/>
+          <a:chExt cx="0" cy="0"/>
+        </a:xfrm>
+      </p:grpSpPr>
       <p:pic>
         <p:nvPicPr>
           <p:cNvPr id="4" name="Picture 3"/>
@@ -3541,7 +3628,7 @@
           <p:nvPr/>
         </p:nvPicPr>
         <p:blipFill>
-          <a:blip r:embed="rId1"/>
+          <a:blip r:embed="rId2"/>
           <a:stretch>
             <a:fillRect/>
           </a:stretch>
@@ -3565,7 +3652,7 @@
           <p:nvPr/>
         </p:nvPicPr>
         <p:blipFill>
-          <a:blip r:embed="rId2"/>
+          <a:blip r:embed="rId3"/>
           <a:stretch>
             <a:fillRect/>
           </a:stretch>
@@ -3581,6 +3668,995 @@
         </p:spPr>
       </p:pic>
     </p:spTree>
+  </p:cSld>
+  <p:clrMapOvr>
+    <a:masterClrMapping/>
+  </p:clrMapOvr>
+</p:sld>
+</file>
+
+<file path=ppt/slides/slide2.xml><?xml version="1.0" encoding="utf-8"?>
+<p:sld xmlns:a="http://schemas.openxmlformats.org/drawingml/2006/main" xmlns:r="http://schemas.openxmlformats.org/officeDocument/2006/relationships" xmlns:p="http://schemas.openxmlformats.org/presentationml/2006/main">
+  <p:cSld>
+    <p:spTree>
+      <p:nvGrpSpPr>
+        <p:cNvPr id="1" name=""/>
+        <p:cNvGrpSpPr/>
+        <p:nvPr/>
+      </p:nvGrpSpPr>
+      <p:grpSpPr>
+        <a:xfrm>
+          <a:off x="0" y="0"/>
+          <a:ext cx="0" cy="0"/>
+          <a:chOff x="0" y="0"/>
+          <a:chExt cx="0" cy="0"/>
+        </a:xfrm>
+      </p:grpSpPr>
+      <p:sp>
+        <p:nvSpPr>
+          <p:cNvPr id="2" name="Title 1">
+            <a:extLst>
+              <a:ext uri="{FF2B5EF4-FFF2-40B4-BE49-F238E27FC236}">
+                <a16:creationId xmlns:a16="http://schemas.microsoft.com/office/drawing/2014/main" id="{2435FA6D-B330-8890-2DD1-67858B3F99A4}"/>
+              </a:ext>
+            </a:extLst>
+          </p:cNvPr>
+          <p:cNvSpPr>
+            <a:spLocks noGrp="1"/>
+          </p:cNvSpPr>
+          <p:nvPr>
+            <p:ph type="title"/>
+          </p:nvPr>
+        </p:nvSpPr>
+        <p:spPr/>
+        <p:txBody>
+          <a:bodyPr/>
+          <a:lstStyle/>
+          <a:p>
+            <a:endParaRPr lang="en-SE"/>
+          </a:p>
+        </p:txBody>
+      </p:sp>
+      <p:sp>
+        <p:nvSpPr>
+          <p:cNvPr id="3" name="Text Placeholder 2">
+            <a:extLst>
+              <a:ext uri="{FF2B5EF4-FFF2-40B4-BE49-F238E27FC236}">
+                <a16:creationId xmlns:a16="http://schemas.microsoft.com/office/drawing/2014/main" id="{A31E2C80-7E25-6D91-3C92-EAEC6FC0EF38}"/>
+              </a:ext>
+            </a:extLst>
+          </p:cNvPr>
+          <p:cNvSpPr>
+            <a:spLocks noGrp="1"/>
+          </p:cNvSpPr>
+          <p:nvPr>
+            <p:ph type="body" idx="1"/>
+          </p:nvPr>
+        </p:nvSpPr>
+        <p:spPr/>
+        <p:txBody>
+          <a:bodyPr/>
+          <a:lstStyle/>
+          <a:p>
+            <a:endParaRPr lang="en-SE"/>
+          </a:p>
+        </p:txBody>
+      </p:sp>
+      <p:pic>
+        <p:nvPicPr>
+          <p:cNvPr id="5" name="Picture 4" descr="A person playing a video game&#10;&#10;Description automatically generated">
+            <a:extLst>
+              <a:ext uri="{FF2B5EF4-FFF2-40B4-BE49-F238E27FC236}">
+                <a16:creationId xmlns:a16="http://schemas.microsoft.com/office/drawing/2014/main" id="{C81B6B70-EBA2-F4A3-F1AB-59D0C94E90FA}"/>
+              </a:ext>
+            </a:extLst>
+          </p:cNvPr>
+          <p:cNvPicPr>
+            <a:picLocks noChangeAspect="1"/>
+          </p:cNvPicPr>
+          <p:nvPr/>
+        </p:nvPicPr>
+        <p:blipFill>
+          <a:blip r:embed="rId2">
+            <a:extLst>
+              <a:ext uri="{28A0092B-C50C-407E-A947-70E740481C1C}">
+                <a14:useLocalDpi xmlns:a14="http://schemas.microsoft.com/office/drawing/2010/main" val="0"/>
+              </a:ext>
+            </a:extLst>
+          </a:blip>
+          <a:stretch>
+            <a:fillRect/>
+          </a:stretch>
+        </p:blipFill>
+        <p:spPr>
+          <a:xfrm>
+            <a:off x="0" y="-13390"/>
+            <a:ext cx="12191999" cy="6884779"/>
+          </a:xfrm>
+          <a:prstGeom prst="rect">
+            <a:avLst/>
+          </a:prstGeom>
+        </p:spPr>
+      </p:pic>
+    </p:spTree>
+    <p:extLst>
+      <p:ext uri="{BB962C8B-B14F-4D97-AF65-F5344CB8AC3E}">
+        <p14:creationId xmlns:p14="http://schemas.microsoft.com/office/powerpoint/2010/main" val="949378195"/>
+      </p:ext>
+    </p:extLst>
+  </p:cSld>
+  <p:clrMapOvr>
+    <a:masterClrMapping/>
+  </p:clrMapOvr>
+</p:sld>
+</file>
+
+<file path=ppt/slides/slide3.xml><?xml version="1.0" encoding="utf-8"?>
+<p:sld xmlns:a="http://schemas.openxmlformats.org/drawingml/2006/main" xmlns:r="http://schemas.openxmlformats.org/officeDocument/2006/relationships" xmlns:p="http://schemas.openxmlformats.org/presentationml/2006/main">
+  <p:cSld>
+    <p:spTree>
+      <p:nvGrpSpPr>
+        <p:cNvPr id="1" name=""/>
+        <p:cNvGrpSpPr/>
+        <p:nvPr/>
+      </p:nvGrpSpPr>
+      <p:grpSpPr>
+        <a:xfrm>
+          <a:off x="0" y="0"/>
+          <a:ext cx="0" cy="0"/>
+          <a:chOff x="0" y="0"/>
+          <a:chExt cx="0" cy="0"/>
+        </a:xfrm>
+      </p:grpSpPr>
+      <p:sp>
+        <p:nvSpPr>
+          <p:cNvPr id="2" name="Title 1">
+            <a:extLst>
+              <a:ext uri="{FF2B5EF4-FFF2-40B4-BE49-F238E27FC236}">
+                <a16:creationId xmlns:a16="http://schemas.microsoft.com/office/drawing/2014/main" id="{D5780DED-F217-6927-9974-D7F1BED7D822}"/>
+              </a:ext>
+            </a:extLst>
+          </p:cNvPr>
+          <p:cNvSpPr>
+            <a:spLocks noGrp="1"/>
+          </p:cNvSpPr>
+          <p:nvPr>
+            <p:ph type="title"/>
+          </p:nvPr>
+        </p:nvSpPr>
+        <p:spPr>
+          <a:xfrm>
+            <a:off x="110491" y="-1229360"/>
+            <a:ext cx="10515600" cy="2852737"/>
+          </a:xfrm>
+        </p:spPr>
+        <p:txBody>
+          <a:bodyPr/>
+          <a:lstStyle/>
+          <a:p>
+            <a:r>
+              <a:rPr lang="sv-SE" sz="4000" b="0" i="0" u="none" strike="noStrike" dirty="0">
+                <a:solidFill>
+                  <a:srgbClr val="000000"/>
+                </a:solidFill>
+                <a:effectLst/>
+                <a:latin typeface="Arial" panose="020B0604020202020204" pitchFamily="34" charset="0"/>
+              </a:rPr>
+              <a:t>Varför vi valde att göra </a:t>
+            </a:r>
+            <a:r>
+              <a:rPr lang="sv-SE" sz="4000" b="0" i="0" u="none" strike="noStrike" dirty="0" err="1">
+                <a:solidFill>
+                  <a:srgbClr val="000000"/>
+                </a:solidFill>
+                <a:effectLst/>
+                <a:latin typeface="Arial" panose="020B0604020202020204" pitchFamily="34" charset="0"/>
+              </a:rPr>
+              <a:t>Battle</a:t>
+            </a:r>
+            <a:r>
+              <a:rPr lang="sv-SE" sz="4000" b="0" i="0" u="none" strike="noStrike" dirty="0">
+                <a:solidFill>
+                  <a:srgbClr val="000000"/>
+                </a:solidFill>
+                <a:effectLst/>
+                <a:latin typeface="Arial" panose="020B0604020202020204" pitchFamily="34" charset="0"/>
+              </a:rPr>
+              <a:t> </a:t>
+            </a:r>
+            <a:r>
+              <a:rPr lang="sv-SE" sz="4000" b="0" i="0" u="none" strike="noStrike" dirty="0" err="1">
+                <a:solidFill>
+                  <a:srgbClr val="000000"/>
+                </a:solidFill>
+                <a:effectLst/>
+                <a:latin typeface="Arial" panose="020B0604020202020204" pitchFamily="34" charset="0"/>
+              </a:rPr>
+              <a:t>Inventory</a:t>
+            </a:r>
+            <a:r>
+              <a:rPr lang="sv-SE" sz="4000" b="0" i="0" u="none" strike="noStrike" dirty="0">
+                <a:solidFill>
+                  <a:srgbClr val="000000"/>
+                </a:solidFill>
+                <a:effectLst/>
+                <a:latin typeface="Arial" panose="020B0604020202020204" pitchFamily="34" charset="0"/>
+              </a:rPr>
+              <a:t>?</a:t>
+            </a:r>
+            <a:endParaRPr lang="en-SE" sz="4000" dirty="0"/>
+          </a:p>
+        </p:txBody>
+      </p:sp>
+      <p:sp>
+        <p:nvSpPr>
+          <p:cNvPr id="3" name="Text Placeholder 2">
+            <a:extLst>
+              <a:ext uri="{FF2B5EF4-FFF2-40B4-BE49-F238E27FC236}">
+                <a16:creationId xmlns:a16="http://schemas.microsoft.com/office/drawing/2014/main" id="{DF46C41A-C7AF-5F75-3C3C-5848C799815B}"/>
+              </a:ext>
+            </a:extLst>
+          </p:cNvPr>
+          <p:cNvSpPr>
+            <a:spLocks noGrp="1"/>
+          </p:cNvSpPr>
+          <p:nvPr>
+            <p:ph type="body" idx="1"/>
+          </p:nvPr>
+        </p:nvSpPr>
+        <p:spPr/>
+        <p:txBody>
+          <a:bodyPr/>
+          <a:lstStyle/>
+          <a:p>
+            <a:endParaRPr lang="en-SE"/>
+          </a:p>
+        </p:txBody>
+      </p:sp>
+      <p:pic>
+        <p:nvPicPr>
+          <p:cNvPr id="7" name="Picture 6" descr="A close-up of a white card&#10;&#10;Description automatically generated">
+            <a:extLst>
+              <a:ext uri="{FF2B5EF4-FFF2-40B4-BE49-F238E27FC236}">
+                <a16:creationId xmlns:a16="http://schemas.microsoft.com/office/drawing/2014/main" id="{D60105AF-4B48-7504-E02A-F0FD885B5E08}"/>
+              </a:ext>
+            </a:extLst>
+          </p:cNvPr>
+          <p:cNvPicPr>
+            <a:picLocks noChangeAspect="1"/>
+          </p:cNvPicPr>
+          <p:nvPr/>
+        </p:nvPicPr>
+        <p:blipFill>
+          <a:blip r:embed="rId2">
+            <a:extLst>
+              <a:ext uri="{28A0092B-C50C-407E-A947-70E740481C1C}">
+                <a14:useLocalDpi xmlns:a14="http://schemas.microsoft.com/office/drawing/2010/main" val="0"/>
+              </a:ext>
+            </a:extLst>
+          </a:blip>
+          <a:stretch>
+            <a:fillRect/>
+          </a:stretch>
+        </p:blipFill>
+        <p:spPr>
+          <a:xfrm>
+            <a:off x="0" y="0"/>
+            <a:ext cx="12192000" cy="6869554"/>
+          </a:xfrm>
+          <a:prstGeom prst="rect">
+            <a:avLst/>
+          </a:prstGeom>
+        </p:spPr>
+      </p:pic>
+      <p:pic>
+        <p:nvPicPr>
+          <p:cNvPr id="5" name="Picture 4" descr="A screenshot of a computer program&#10;&#10;Description automatically generated">
+            <a:extLst>
+              <a:ext uri="{FF2B5EF4-FFF2-40B4-BE49-F238E27FC236}">
+                <a16:creationId xmlns:a16="http://schemas.microsoft.com/office/drawing/2014/main" id="{7BFAE3DD-B8F3-844B-4F53-EAF6BA8B1A0D}"/>
+              </a:ext>
+            </a:extLst>
+          </p:cNvPr>
+          <p:cNvPicPr>
+            <a:picLocks noChangeAspect="1"/>
+          </p:cNvPicPr>
+          <p:nvPr/>
+        </p:nvPicPr>
+        <p:blipFill>
+          <a:blip r:embed="rId3">
+            <a:extLst>
+              <a:ext uri="{28A0092B-C50C-407E-A947-70E740481C1C}">
+                <a14:useLocalDpi xmlns:a14="http://schemas.microsoft.com/office/drawing/2010/main" val="0"/>
+              </a:ext>
+            </a:extLst>
+          </a:blip>
+          <a:stretch>
+            <a:fillRect/>
+          </a:stretch>
+        </p:blipFill>
+        <p:spPr>
+          <a:xfrm>
+            <a:off x="4238530" y="1515852"/>
+            <a:ext cx="3714941" cy="4394426"/>
+          </a:xfrm>
+          <a:prstGeom prst="rect">
+            <a:avLst/>
+          </a:prstGeom>
+        </p:spPr>
+      </p:pic>
+    </p:spTree>
+    <p:extLst>
+      <p:ext uri="{BB962C8B-B14F-4D97-AF65-F5344CB8AC3E}">
+        <p14:creationId xmlns:p14="http://schemas.microsoft.com/office/powerpoint/2010/main" val="1596417088"/>
+      </p:ext>
+    </p:extLst>
+  </p:cSld>
+  <p:clrMapOvr>
+    <a:masterClrMapping/>
+  </p:clrMapOvr>
+</p:sld>
+</file>
+
+<file path=ppt/slides/slide4.xml><?xml version="1.0" encoding="utf-8"?>
+<p:sld xmlns:a="http://schemas.openxmlformats.org/drawingml/2006/main" xmlns:r="http://schemas.openxmlformats.org/officeDocument/2006/relationships" xmlns:p="http://schemas.openxmlformats.org/presentationml/2006/main">
+  <p:cSld>
+    <p:spTree>
+      <p:nvGrpSpPr>
+        <p:cNvPr id="1" name=""/>
+        <p:cNvGrpSpPr/>
+        <p:nvPr/>
+      </p:nvGrpSpPr>
+      <p:grpSpPr>
+        <a:xfrm>
+          <a:off x="0" y="0"/>
+          <a:ext cx="0" cy="0"/>
+          <a:chOff x="0" y="0"/>
+          <a:chExt cx="0" cy="0"/>
+        </a:xfrm>
+      </p:grpSpPr>
+      <p:sp>
+        <p:nvSpPr>
+          <p:cNvPr id="2" name="Title 1">
+            <a:extLst>
+              <a:ext uri="{FF2B5EF4-FFF2-40B4-BE49-F238E27FC236}">
+                <a16:creationId xmlns:a16="http://schemas.microsoft.com/office/drawing/2014/main" id="{B38BA48E-1166-8F08-F4D9-FC514693600A}"/>
+              </a:ext>
+            </a:extLst>
+          </p:cNvPr>
+          <p:cNvSpPr>
+            <a:spLocks noGrp="1"/>
+          </p:cNvSpPr>
+          <p:nvPr>
+            <p:ph type="title"/>
+          </p:nvPr>
+        </p:nvSpPr>
+        <p:spPr/>
+        <p:txBody>
+          <a:bodyPr/>
+          <a:lstStyle/>
+          <a:p>
+            <a:endParaRPr lang="en-SE"/>
+          </a:p>
+        </p:txBody>
+      </p:sp>
+      <p:sp>
+        <p:nvSpPr>
+          <p:cNvPr id="3" name="Text Placeholder 2">
+            <a:extLst>
+              <a:ext uri="{FF2B5EF4-FFF2-40B4-BE49-F238E27FC236}">
+                <a16:creationId xmlns:a16="http://schemas.microsoft.com/office/drawing/2014/main" id="{B3447F8C-C668-E4D0-C1FD-C67AD8FF984B}"/>
+              </a:ext>
+            </a:extLst>
+          </p:cNvPr>
+          <p:cNvSpPr>
+            <a:spLocks noGrp="1"/>
+          </p:cNvSpPr>
+          <p:nvPr>
+            <p:ph type="body" idx="1"/>
+          </p:nvPr>
+        </p:nvSpPr>
+        <p:spPr/>
+        <p:txBody>
+          <a:bodyPr/>
+          <a:lstStyle/>
+          <a:p>
+            <a:endParaRPr lang="en-SE"/>
+          </a:p>
+        </p:txBody>
+      </p:sp>
+      <p:pic>
+        <p:nvPicPr>
+          <p:cNvPr id="5" name="Picture 4" descr="A close-up of a computer&#10;&#10;Description automatically generated">
+            <a:extLst>
+              <a:ext uri="{FF2B5EF4-FFF2-40B4-BE49-F238E27FC236}">
+                <a16:creationId xmlns:a16="http://schemas.microsoft.com/office/drawing/2014/main" id="{D40EA4B3-C5D6-0D7A-0CAC-6BF6B0EAEC2C}"/>
+              </a:ext>
+            </a:extLst>
+          </p:cNvPr>
+          <p:cNvPicPr>
+            <a:picLocks noChangeAspect="1"/>
+          </p:cNvPicPr>
+          <p:nvPr/>
+        </p:nvPicPr>
+        <p:blipFill>
+          <a:blip r:embed="rId2">
+            <a:extLst>
+              <a:ext uri="{28A0092B-C50C-407E-A947-70E740481C1C}">
+                <a14:useLocalDpi xmlns:a14="http://schemas.microsoft.com/office/drawing/2010/main" val="0"/>
+              </a:ext>
+            </a:extLst>
+          </a:blip>
+          <a:stretch>
+            <a:fillRect/>
+          </a:stretch>
+        </p:blipFill>
+        <p:spPr>
+          <a:xfrm>
+            <a:off x="0" y="0"/>
+            <a:ext cx="12192000" cy="6876288"/>
+          </a:xfrm>
+          <a:prstGeom prst="rect">
+            <a:avLst/>
+          </a:prstGeom>
+        </p:spPr>
+      </p:pic>
+    </p:spTree>
+    <p:extLst>
+      <p:ext uri="{BB962C8B-B14F-4D97-AF65-F5344CB8AC3E}">
+        <p14:creationId xmlns:p14="http://schemas.microsoft.com/office/powerpoint/2010/main" val="117218966"/>
+      </p:ext>
+    </p:extLst>
+  </p:cSld>
+  <p:clrMapOvr>
+    <a:masterClrMapping/>
+  </p:clrMapOvr>
+</p:sld>
+</file>
+
+<file path=ppt/slides/slide5.xml><?xml version="1.0" encoding="utf-8"?>
+<p:sld xmlns:a="http://schemas.openxmlformats.org/drawingml/2006/main" xmlns:r="http://schemas.openxmlformats.org/officeDocument/2006/relationships" xmlns:p="http://schemas.openxmlformats.org/presentationml/2006/main">
+  <p:cSld>
+    <p:spTree>
+      <p:nvGrpSpPr>
+        <p:cNvPr id="1" name=""/>
+        <p:cNvGrpSpPr/>
+        <p:nvPr/>
+      </p:nvGrpSpPr>
+      <p:grpSpPr>
+        <a:xfrm>
+          <a:off x="0" y="0"/>
+          <a:ext cx="0" cy="0"/>
+          <a:chOff x="0" y="0"/>
+          <a:chExt cx="0" cy="0"/>
+        </a:xfrm>
+      </p:grpSpPr>
+      <p:sp>
+        <p:nvSpPr>
+          <p:cNvPr id="2" name="Title 1">
+            <a:extLst>
+              <a:ext uri="{FF2B5EF4-FFF2-40B4-BE49-F238E27FC236}">
+                <a16:creationId xmlns:a16="http://schemas.microsoft.com/office/drawing/2014/main" id="{48CCEDD1-2673-8E49-0116-630D87DF58C4}"/>
+              </a:ext>
+            </a:extLst>
+          </p:cNvPr>
+          <p:cNvSpPr>
+            <a:spLocks noGrp="1"/>
+          </p:cNvSpPr>
+          <p:nvPr>
+            <p:ph type="title"/>
+          </p:nvPr>
+        </p:nvSpPr>
+        <p:spPr/>
+        <p:txBody>
+          <a:bodyPr/>
+          <a:lstStyle/>
+          <a:p>
+            <a:endParaRPr lang="en-SE"/>
+          </a:p>
+        </p:txBody>
+      </p:sp>
+      <p:sp>
+        <p:nvSpPr>
+          <p:cNvPr id="3" name="Text Placeholder 2">
+            <a:extLst>
+              <a:ext uri="{FF2B5EF4-FFF2-40B4-BE49-F238E27FC236}">
+                <a16:creationId xmlns:a16="http://schemas.microsoft.com/office/drawing/2014/main" id="{739FC84D-4A8D-2755-A37F-6F61C1D2C971}"/>
+              </a:ext>
+            </a:extLst>
+          </p:cNvPr>
+          <p:cNvSpPr>
+            <a:spLocks noGrp="1"/>
+          </p:cNvSpPr>
+          <p:nvPr>
+            <p:ph type="body" idx="1"/>
+          </p:nvPr>
+        </p:nvSpPr>
+        <p:spPr/>
+        <p:txBody>
+          <a:bodyPr/>
+          <a:lstStyle/>
+          <a:p>
+            <a:endParaRPr lang="en-SE"/>
+          </a:p>
+        </p:txBody>
+      </p:sp>
+      <p:pic>
+        <p:nvPicPr>
+          <p:cNvPr id="5" name="Picture 4" descr="A screen shot of a computer screen&#10;&#10;Description automatically generated">
+            <a:extLst>
+              <a:ext uri="{FF2B5EF4-FFF2-40B4-BE49-F238E27FC236}">
+                <a16:creationId xmlns:a16="http://schemas.microsoft.com/office/drawing/2014/main" id="{1A38C52D-2ADF-D5D8-DB5B-858D10E8A21C}"/>
+              </a:ext>
+            </a:extLst>
+          </p:cNvPr>
+          <p:cNvPicPr>
+            <a:picLocks noChangeAspect="1"/>
+          </p:cNvPicPr>
+          <p:nvPr/>
+        </p:nvPicPr>
+        <p:blipFill>
+          <a:blip r:embed="rId2">
+            <a:extLst>
+              <a:ext uri="{28A0092B-C50C-407E-A947-70E740481C1C}">
+                <a14:useLocalDpi xmlns:a14="http://schemas.microsoft.com/office/drawing/2010/main" val="0"/>
+              </a:ext>
+            </a:extLst>
+          </a:blip>
+          <a:stretch>
+            <a:fillRect/>
+          </a:stretch>
+        </p:blipFill>
+        <p:spPr>
+          <a:xfrm>
+            <a:off x="0" y="-1"/>
+            <a:ext cx="12192000" cy="6880537"/>
+          </a:xfrm>
+          <a:prstGeom prst="rect">
+            <a:avLst/>
+          </a:prstGeom>
+        </p:spPr>
+      </p:pic>
+    </p:spTree>
+    <p:extLst>
+      <p:ext uri="{BB962C8B-B14F-4D97-AF65-F5344CB8AC3E}">
+        <p14:creationId xmlns:p14="http://schemas.microsoft.com/office/powerpoint/2010/main" val="138689841"/>
+      </p:ext>
+    </p:extLst>
+  </p:cSld>
+  <p:clrMapOvr>
+    <a:masterClrMapping/>
+  </p:clrMapOvr>
+</p:sld>
+</file>
+
+<file path=ppt/slides/slide6.xml><?xml version="1.0" encoding="utf-8"?>
+<p:sld xmlns:a="http://schemas.openxmlformats.org/drawingml/2006/main" xmlns:r="http://schemas.openxmlformats.org/officeDocument/2006/relationships" xmlns:p="http://schemas.openxmlformats.org/presentationml/2006/main">
+  <p:cSld>
+    <p:spTree>
+      <p:nvGrpSpPr>
+        <p:cNvPr id="1" name=""/>
+        <p:cNvGrpSpPr/>
+        <p:nvPr/>
+      </p:nvGrpSpPr>
+      <p:grpSpPr>
+        <a:xfrm>
+          <a:off x="0" y="0"/>
+          <a:ext cx="0" cy="0"/>
+          <a:chOff x="0" y="0"/>
+          <a:chExt cx="0" cy="0"/>
+        </a:xfrm>
+      </p:grpSpPr>
+      <p:sp>
+        <p:nvSpPr>
+          <p:cNvPr id="2" name="Title 1">
+            <a:extLst>
+              <a:ext uri="{FF2B5EF4-FFF2-40B4-BE49-F238E27FC236}">
+                <a16:creationId xmlns:a16="http://schemas.microsoft.com/office/drawing/2014/main" id="{DAE73D88-FFB1-750F-7FBD-66CB29F8A60D}"/>
+              </a:ext>
+            </a:extLst>
+          </p:cNvPr>
+          <p:cNvSpPr>
+            <a:spLocks noGrp="1"/>
+          </p:cNvSpPr>
+          <p:nvPr>
+            <p:ph type="title"/>
+          </p:nvPr>
+        </p:nvSpPr>
+        <p:spPr>
+          <a:xfrm>
+            <a:off x="405131" y="73978"/>
+            <a:ext cx="10515600" cy="2852737"/>
+          </a:xfrm>
+        </p:spPr>
+        <p:txBody>
+          <a:bodyPr/>
+          <a:lstStyle/>
+          <a:p>
+            <a:r>
+              <a:rPr lang="sv-SE" sz="5000" b="0" i="0" u="none" strike="noStrike" dirty="0">
+                <a:solidFill>
+                  <a:srgbClr val="000000"/>
+                </a:solidFill>
+                <a:effectLst/>
+                <a:latin typeface="Arial" panose="020B0604020202020204" pitchFamily="34" charset="0"/>
+              </a:rPr>
+              <a:t>Vad vi tyckte var utmanade </a:t>
+            </a:r>
+            <a:br>
+              <a:rPr lang="sv-SE" sz="5000" b="0" i="0" u="none" strike="noStrike" dirty="0">
+                <a:solidFill>
+                  <a:srgbClr val="000000"/>
+                </a:solidFill>
+                <a:effectLst/>
+                <a:latin typeface="Arial" panose="020B0604020202020204" pitchFamily="34" charset="0"/>
+              </a:rPr>
+            </a:br>
+            <a:br>
+              <a:rPr lang="sv-SE" sz="5000" b="0" i="0" u="none" strike="noStrike" dirty="0">
+                <a:solidFill>
+                  <a:srgbClr val="000000"/>
+                </a:solidFill>
+                <a:effectLst/>
+                <a:latin typeface="Arial" panose="020B0604020202020204" pitchFamily="34" charset="0"/>
+              </a:rPr>
+            </a:br>
+            <a:r>
+              <a:rPr lang="sv-SE" sz="5000" b="0" i="0" u="none" strike="noStrike" dirty="0">
+                <a:solidFill>
+                  <a:srgbClr val="000000"/>
+                </a:solidFill>
+                <a:effectLst/>
+                <a:latin typeface="Arial" panose="020B0604020202020204" pitchFamily="34" charset="0"/>
+              </a:rPr>
+              <a:t>Vad som tog längst tid</a:t>
+            </a:r>
+            <a:endParaRPr lang="en-SE" sz="5000" dirty="0"/>
+          </a:p>
+        </p:txBody>
+      </p:sp>
+      <p:sp>
+        <p:nvSpPr>
+          <p:cNvPr id="3" name="Text Placeholder 2">
+            <a:extLst>
+              <a:ext uri="{FF2B5EF4-FFF2-40B4-BE49-F238E27FC236}">
+                <a16:creationId xmlns:a16="http://schemas.microsoft.com/office/drawing/2014/main" id="{2DB16B06-5E74-9610-F3A0-0967C8C4DFE4}"/>
+              </a:ext>
+            </a:extLst>
+          </p:cNvPr>
+          <p:cNvSpPr>
+            <a:spLocks noGrp="1"/>
+          </p:cNvSpPr>
+          <p:nvPr>
+            <p:ph type="body" idx="1"/>
+          </p:nvPr>
+        </p:nvSpPr>
+        <p:spPr/>
+        <p:txBody>
+          <a:bodyPr/>
+          <a:lstStyle/>
+          <a:p>
+            <a:endParaRPr lang="en-SE"/>
+          </a:p>
+        </p:txBody>
+      </p:sp>
+    </p:spTree>
+    <p:extLst>
+      <p:ext uri="{BB962C8B-B14F-4D97-AF65-F5344CB8AC3E}">
+        <p14:creationId xmlns:p14="http://schemas.microsoft.com/office/powerpoint/2010/main" val="3725596928"/>
+      </p:ext>
+    </p:extLst>
+  </p:cSld>
+  <p:clrMapOvr>
+    <a:masterClrMapping/>
+  </p:clrMapOvr>
+</p:sld>
+</file>
+
+<file path=ppt/slides/slide7.xml><?xml version="1.0" encoding="utf-8"?>
+<p:sld xmlns:a="http://schemas.openxmlformats.org/drawingml/2006/main" xmlns:r="http://schemas.openxmlformats.org/officeDocument/2006/relationships" xmlns:p="http://schemas.openxmlformats.org/presentationml/2006/main">
+  <p:cSld>
+    <p:spTree>
+      <p:nvGrpSpPr>
+        <p:cNvPr id="1" name=""/>
+        <p:cNvGrpSpPr/>
+        <p:nvPr/>
+      </p:nvGrpSpPr>
+      <p:grpSpPr>
+        <a:xfrm>
+          <a:off x="0" y="0"/>
+          <a:ext cx="0" cy="0"/>
+          <a:chOff x="0" y="0"/>
+          <a:chExt cx="0" cy="0"/>
+        </a:xfrm>
+      </p:grpSpPr>
+      <p:sp>
+        <p:nvSpPr>
+          <p:cNvPr id="2" name="Title 1">
+            <a:extLst>
+              <a:ext uri="{FF2B5EF4-FFF2-40B4-BE49-F238E27FC236}">
+                <a16:creationId xmlns:a16="http://schemas.microsoft.com/office/drawing/2014/main" id="{D73C500C-6AB3-8056-8B6B-F4C35FA69A1B}"/>
+              </a:ext>
+            </a:extLst>
+          </p:cNvPr>
+          <p:cNvSpPr>
+            <a:spLocks noGrp="1"/>
+          </p:cNvSpPr>
+          <p:nvPr>
+            <p:ph type="title"/>
+          </p:nvPr>
+        </p:nvSpPr>
+        <p:spPr>
+          <a:xfrm>
+            <a:off x="476251" y="-1426369"/>
+            <a:ext cx="10515600" cy="2852737"/>
+          </a:xfrm>
+        </p:spPr>
+        <p:txBody>
+          <a:bodyPr/>
+          <a:lstStyle/>
+          <a:p>
+            <a:r>
+              <a:rPr lang="sv-SE" sz="5000" b="0" i="0" u="none" strike="noStrike" dirty="0">
+                <a:solidFill>
+                  <a:srgbClr val="000000"/>
+                </a:solidFill>
+                <a:effectLst/>
+                <a:latin typeface="Arial" panose="020B0604020202020204" pitchFamily="34" charset="0"/>
+              </a:rPr>
+              <a:t>Våra </a:t>
+            </a:r>
+            <a:r>
+              <a:rPr lang="sv-SE" sz="5000" b="0" i="0" u="none" strike="noStrike" dirty="0" err="1">
+                <a:solidFill>
+                  <a:srgbClr val="000000"/>
+                </a:solidFill>
+                <a:effectLst/>
+                <a:latin typeface="Arial" panose="020B0604020202020204" pitchFamily="34" charset="0"/>
+              </a:rPr>
+              <a:t>Lärdommar</a:t>
+            </a:r>
+            <a:endParaRPr lang="en-SE" sz="5000" dirty="0"/>
+          </a:p>
+        </p:txBody>
+      </p:sp>
+      <p:sp>
+        <p:nvSpPr>
+          <p:cNvPr id="3" name="Text Placeholder 2">
+            <a:extLst>
+              <a:ext uri="{FF2B5EF4-FFF2-40B4-BE49-F238E27FC236}">
+                <a16:creationId xmlns:a16="http://schemas.microsoft.com/office/drawing/2014/main" id="{2F242783-E0C5-8935-634F-5AD07CF05CE0}"/>
+              </a:ext>
+            </a:extLst>
+          </p:cNvPr>
+          <p:cNvSpPr>
+            <a:spLocks noGrp="1"/>
+          </p:cNvSpPr>
+          <p:nvPr>
+            <p:ph type="body" idx="1"/>
+          </p:nvPr>
+        </p:nvSpPr>
+        <p:spPr/>
+        <p:txBody>
+          <a:bodyPr/>
+          <a:lstStyle/>
+          <a:p>
+            <a:endParaRPr lang="en-SE"/>
+          </a:p>
+        </p:txBody>
+      </p:sp>
+    </p:spTree>
+    <p:extLst>
+      <p:ext uri="{BB962C8B-B14F-4D97-AF65-F5344CB8AC3E}">
+        <p14:creationId xmlns:p14="http://schemas.microsoft.com/office/powerpoint/2010/main" val="4015296417"/>
+      </p:ext>
+    </p:extLst>
+  </p:cSld>
+  <p:clrMapOvr>
+    <a:masterClrMapping/>
+  </p:clrMapOvr>
+</p:sld>
+</file>
+
+<file path=ppt/slides/slide8.xml><?xml version="1.0" encoding="utf-8"?>
+<p:sld xmlns:a="http://schemas.openxmlformats.org/drawingml/2006/main" xmlns:r="http://schemas.openxmlformats.org/officeDocument/2006/relationships" xmlns:p="http://schemas.openxmlformats.org/presentationml/2006/main">
+  <p:cSld>
+    <p:spTree>
+      <p:nvGrpSpPr>
+        <p:cNvPr id="1" name=""/>
+        <p:cNvGrpSpPr/>
+        <p:nvPr/>
+      </p:nvGrpSpPr>
+      <p:grpSpPr>
+        <a:xfrm>
+          <a:off x="0" y="0"/>
+          <a:ext cx="0" cy="0"/>
+          <a:chOff x="0" y="0"/>
+          <a:chExt cx="0" cy="0"/>
+        </a:xfrm>
+      </p:grpSpPr>
+      <p:sp>
+        <p:nvSpPr>
+          <p:cNvPr id="2" name="Title 1">
+            <a:extLst>
+              <a:ext uri="{FF2B5EF4-FFF2-40B4-BE49-F238E27FC236}">
+                <a16:creationId xmlns:a16="http://schemas.microsoft.com/office/drawing/2014/main" id="{917A0246-E7FC-B5C6-CECB-A4E595AC2D61}"/>
+              </a:ext>
+            </a:extLst>
+          </p:cNvPr>
+          <p:cNvSpPr>
+            <a:spLocks noGrp="1"/>
+          </p:cNvSpPr>
+          <p:nvPr>
+            <p:ph type="title"/>
+          </p:nvPr>
+        </p:nvSpPr>
+        <p:spPr>
+          <a:xfrm>
+            <a:off x="405131" y="-1426369"/>
+            <a:ext cx="10515600" cy="2852737"/>
+          </a:xfrm>
+        </p:spPr>
+        <p:txBody>
+          <a:bodyPr/>
+          <a:lstStyle/>
+          <a:p>
+            <a:r>
+              <a:rPr lang="sv-SE" sz="5000" b="0" i="0" u="none" strike="noStrike" dirty="0">
+                <a:solidFill>
+                  <a:srgbClr val="000000"/>
+                </a:solidFill>
+                <a:effectLst/>
+                <a:latin typeface="Arial" panose="020B0604020202020204" pitchFamily="34" charset="0"/>
+              </a:rPr>
+              <a:t>Hur vi hade fortsätt med </a:t>
+            </a:r>
+            <a:r>
+              <a:rPr lang="sv-SE" sz="5000" b="0" i="0" u="none" strike="noStrike" dirty="0" err="1">
+                <a:solidFill>
+                  <a:srgbClr val="000000"/>
+                </a:solidFill>
+                <a:effectLst/>
+                <a:latin typeface="Arial" panose="020B0604020202020204" pitchFamily="34" charset="0"/>
+              </a:rPr>
+              <a:t>appen</a:t>
+            </a:r>
+            <a:endParaRPr lang="en-SE" sz="5000" dirty="0"/>
+          </a:p>
+        </p:txBody>
+      </p:sp>
+      <p:sp>
+        <p:nvSpPr>
+          <p:cNvPr id="3" name="Text Placeholder 2">
+            <a:extLst>
+              <a:ext uri="{FF2B5EF4-FFF2-40B4-BE49-F238E27FC236}">
+                <a16:creationId xmlns:a16="http://schemas.microsoft.com/office/drawing/2014/main" id="{162DD566-CDA9-9A50-E21B-F48F9CED1121}"/>
+              </a:ext>
+            </a:extLst>
+          </p:cNvPr>
+          <p:cNvSpPr>
+            <a:spLocks noGrp="1"/>
+          </p:cNvSpPr>
+          <p:nvPr>
+            <p:ph type="body" idx="1"/>
+          </p:nvPr>
+        </p:nvSpPr>
+        <p:spPr/>
+        <p:txBody>
+          <a:bodyPr/>
+          <a:lstStyle/>
+          <a:p>
+            <a:endParaRPr lang="en-SE"/>
+          </a:p>
+        </p:txBody>
+      </p:sp>
+    </p:spTree>
+    <p:extLst>
+      <p:ext uri="{BB962C8B-B14F-4D97-AF65-F5344CB8AC3E}">
+        <p14:creationId xmlns:p14="http://schemas.microsoft.com/office/powerpoint/2010/main" val="3795836683"/>
+      </p:ext>
+    </p:extLst>
+  </p:cSld>
+  <p:clrMapOvr>
+    <a:masterClrMapping/>
+  </p:clrMapOvr>
+</p:sld>
+</file>
+
+<file path=ppt/slides/slide9.xml><?xml version="1.0" encoding="utf-8"?>
+<p:sld xmlns:a="http://schemas.openxmlformats.org/drawingml/2006/main" xmlns:r="http://schemas.openxmlformats.org/officeDocument/2006/relationships" xmlns:p="http://schemas.openxmlformats.org/presentationml/2006/main">
+  <p:cSld>
+    <p:spTree>
+      <p:nvGrpSpPr>
+        <p:cNvPr id="1" name=""/>
+        <p:cNvGrpSpPr/>
+        <p:nvPr/>
+      </p:nvGrpSpPr>
+      <p:grpSpPr>
+        <a:xfrm>
+          <a:off x="0" y="0"/>
+          <a:ext cx="0" cy="0"/>
+          <a:chOff x="0" y="0"/>
+          <a:chExt cx="0" cy="0"/>
+        </a:xfrm>
+      </p:grpSpPr>
+      <p:sp>
+        <p:nvSpPr>
+          <p:cNvPr id="2" name="Title 1">
+            <a:extLst>
+              <a:ext uri="{FF2B5EF4-FFF2-40B4-BE49-F238E27FC236}">
+                <a16:creationId xmlns:a16="http://schemas.microsoft.com/office/drawing/2014/main" id="{0431393E-F3D2-234A-C672-588AC01E9EE3}"/>
+              </a:ext>
+            </a:extLst>
+          </p:cNvPr>
+          <p:cNvSpPr>
+            <a:spLocks noGrp="1"/>
+          </p:cNvSpPr>
+          <p:nvPr>
+            <p:ph type="title"/>
+          </p:nvPr>
+        </p:nvSpPr>
+        <p:spPr>
+          <a:xfrm>
+            <a:off x="838201" y="-1426369"/>
+            <a:ext cx="10515600" cy="2852737"/>
+          </a:xfrm>
+        </p:spPr>
+        <p:txBody>
+          <a:bodyPr/>
+          <a:lstStyle/>
+          <a:p>
+            <a:r>
+              <a:rPr lang="sv-SE" dirty="0" err="1"/>
+              <a:t>Error</a:t>
+            </a:r>
+            <a:r>
+              <a:rPr lang="sv-SE" dirty="0"/>
+              <a:t>/Clean </a:t>
+            </a:r>
+            <a:r>
+              <a:rPr lang="sv-SE" dirty="0" err="1"/>
+              <a:t>code</a:t>
+            </a:r>
+            <a:r>
+              <a:rPr lang="sv-SE" dirty="0"/>
+              <a:t> exempel</a:t>
+            </a:r>
+            <a:endParaRPr lang="en-SE" dirty="0"/>
+          </a:p>
+        </p:txBody>
+      </p:sp>
+      <p:sp>
+        <p:nvSpPr>
+          <p:cNvPr id="3" name="Text Placeholder 2">
+            <a:extLst>
+              <a:ext uri="{FF2B5EF4-FFF2-40B4-BE49-F238E27FC236}">
+                <a16:creationId xmlns:a16="http://schemas.microsoft.com/office/drawing/2014/main" id="{0C11E502-164F-4A6A-4B69-5395AB5DEA65}"/>
+              </a:ext>
+            </a:extLst>
+          </p:cNvPr>
+          <p:cNvSpPr>
+            <a:spLocks noGrp="1"/>
+          </p:cNvSpPr>
+          <p:nvPr>
+            <p:ph type="body" idx="1"/>
+          </p:nvPr>
+        </p:nvSpPr>
+        <p:spPr/>
+        <p:txBody>
+          <a:bodyPr/>
+          <a:lstStyle/>
+          <a:p>
+            <a:endParaRPr lang="en-SE"/>
+          </a:p>
+        </p:txBody>
+      </p:sp>
+    </p:spTree>
+    <p:extLst>
+      <p:ext uri="{BB962C8B-B14F-4D97-AF65-F5344CB8AC3E}">
+        <p14:creationId xmlns:p14="http://schemas.microsoft.com/office/powerpoint/2010/main" val="1966259375"/>
+      </p:ext>
+    </p:extLst>
   </p:cSld>
   <p:clrMapOvr>
     <a:masterClrMapping/>
